--- a/Final Assignment - Batch Processing RFM Segmentation.pptx
+++ b/Final Assignment - Batch Processing RFM Segmentation.pptx
@@ -6851,11 +6851,18 @@
           <a:p>
             <a:pPr lvl="1" algn="just"/>
             <a:r>
+              <a:rPr lang="en-US">
+                <a:latin typeface="Plus Jakarta Sans" panose="020B0604020202020204" charset="0"/>
+                <a:cs typeface="Plus Jakarta Sans" panose="020B0604020202020204" charset="0"/>
+              </a:rPr>
+              <a:t>2_</a:t>
+            </a:r>
+            <a:r>
               <a:rPr lang="en-US" dirty="0">
                 <a:latin typeface="Plus Jakarta Sans" panose="020B0604020202020204" charset="0"/>
                 <a:cs typeface="Plus Jakarta Sans" panose="020B0604020202020204" charset="0"/>
               </a:rPr>
-              <a:t>2_final_assignment.py</a:t>
+              <a:t>final_assignment.py</a:t>
             </a:r>
           </a:p>
           <a:p>
